--- a/report/images/graphs.pptx
+++ b/report/images/graphs.pptx
@@ -8,6 +8,8 @@
     <p:sldId id="257" r:id="rId2"/>
     <p:sldId id="258" r:id="rId3"/>
     <p:sldId id="259" r:id="rId4"/>
+    <p:sldId id="260" r:id="rId5"/>
+    <p:sldId id="261" r:id="rId6"/>
   </p:sldIdLst>
   <p:sldSz cx="12192000" cy="6858000"/>
   <p:notesSz cx="6858000" cy="9144000"/>
@@ -106,6 +108,11 @@
       </a:defRPr>
     </a:lvl9pPr>
   </p:defaultTextStyle>
+  <p:extLst>
+    <p:ext uri="{EFAFB233-063F-42B5-8137-9DF3F51BA10A}">
+      <p15:sldGuideLst xmlns:p15="http://schemas.microsoft.com/office/powerpoint/2012/main"/>
+    </p:ext>
+  </p:extLst>
 </p:presentation>
 </file>
 
@@ -4933,6 +4940,241 @@
 </p:sld>
 </file>
 
+<file path=ppt/slides/slide4.xml><?xml version="1.0" encoding="utf-8"?>
+<p:sld xmlns:a="http://schemas.openxmlformats.org/drawingml/2006/main" xmlns:r="http://schemas.openxmlformats.org/officeDocument/2006/relationships" xmlns:p="http://schemas.openxmlformats.org/presentationml/2006/main">
+  <p:cSld>
+    <p:spTree>
+      <p:nvGrpSpPr>
+        <p:cNvPr id="1" name=""/>
+        <p:cNvGrpSpPr/>
+        <p:nvPr/>
+      </p:nvGrpSpPr>
+      <p:grpSpPr>
+        <a:xfrm>
+          <a:off x="0" y="0"/>
+          <a:ext cx="0" cy="0"/>
+          <a:chOff x="0" y="0"/>
+          <a:chExt cx="0" cy="0"/>
+        </a:xfrm>
+      </p:grpSpPr>
+      <p:pic>
+        <p:nvPicPr>
+          <p:cNvPr id="5" name="图片 4">
+            <a:extLst>
+              <a:ext uri="{FF2B5EF4-FFF2-40B4-BE49-F238E27FC236}">
+                <a16:creationId xmlns:a16="http://schemas.microsoft.com/office/drawing/2014/main" id="{C90A3044-8358-4983-B18C-57E5C0E8AF44}"/>
+              </a:ext>
+            </a:extLst>
+          </p:cNvPr>
+          <p:cNvPicPr>
+            <a:picLocks noChangeAspect="1"/>
+          </p:cNvPicPr>
+          <p:nvPr/>
+        </p:nvPicPr>
+        <p:blipFill>
+          <a:blip r:embed="rId2">
+            <a:extLst>
+              <a:ext uri="{28A0092B-C50C-407E-A947-70E740481C1C}">
+                <a14:useLocalDpi xmlns:a14="http://schemas.microsoft.com/office/drawing/2010/main" val="0"/>
+              </a:ext>
+            </a:extLst>
+          </a:blip>
+          <a:stretch>
+            <a:fillRect/>
+          </a:stretch>
+        </p:blipFill>
+        <p:spPr>
+          <a:xfrm>
+            <a:off x="2657669" y="0"/>
+            <a:ext cx="6876662" cy="6858000"/>
+          </a:xfrm>
+          <a:prstGeom prst="rect">
+            <a:avLst/>
+          </a:prstGeom>
+        </p:spPr>
+      </p:pic>
+      <p:sp>
+        <p:nvSpPr>
+          <p:cNvPr id="7" name="矩形 6">
+            <a:extLst>
+              <a:ext uri="{FF2B5EF4-FFF2-40B4-BE49-F238E27FC236}">
+                <a16:creationId xmlns:a16="http://schemas.microsoft.com/office/drawing/2014/main" id="{DAFBA834-C950-4534-998A-FB7F6A5F28B8}"/>
+              </a:ext>
+            </a:extLst>
+          </p:cNvPr>
+          <p:cNvSpPr/>
+          <p:nvPr/>
+        </p:nvSpPr>
+        <p:spPr>
+          <a:xfrm>
+            <a:off x="2702169" y="4777154"/>
+            <a:ext cx="6775939" cy="586154"/>
+          </a:xfrm>
+          <a:prstGeom prst="rect">
+            <a:avLst/>
+          </a:prstGeom>
+          <a:noFill/>
+          <a:ln w="28575">
+            <a:solidFill>
+              <a:srgbClr val="FF0000"/>
+            </a:solidFill>
+          </a:ln>
+        </p:spPr>
+        <p:style>
+          <a:lnRef idx="2">
+            <a:schemeClr val="accent1">
+              <a:shade val="50000"/>
+            </a:schemeClr>
+          </a:lnRef>
+          <a:fillRef idx="1">
+            <a:schemeClr val="accent1"/>
+          </a:fillRef>
+          <a:effectRef idx="0">
+            <a:schemeClr val="accent1"/>
+          </a:effectRef>
+          <a:fontRef idx="minor">
+            <a:schemeClr val="lt1"/>
+          </a:fontRef>
+        </p:style>
+        <p:txBody>
+          <a:bodyPr rtlCol="0" anchor="ctr"/>
+          <a:lstStyle/>
+          <a:p>
+            <a:pPr algn="ctr"/>
+            <a:endParaRPr lang="zh-CN" altLang="en-US"/>
+          </a:p>
+        </p:txBody>
+      </p:sp>
+    </p:spTree>
+    <p:extLst>
+      <p:ext uri="{BB962C8B-B14F-4D97-AF65-F5344CB8AC3E}">
+        <p14:creationId xmlns:p14="http://schemas.microsoft.com/office/powerpoint/2010/main" val="2427385739"/>
+      </p:ext>
+    </p:extLst>
+  </p:cSld>
+  <p:clrMapOvr>
+    <a:masterClrMapping/>
+  </p:clrMapOvr>
+</p:sld>
+</file>
+
+<file path=ppt/slides/slide5.xml><?xml version="1.0" encoding="utf-8"?>
+<p:sld xmlns:a="http://schemas.openxmlformats.org/drawingml/2006/main" xmlns:r="http://schemas.openxmlformats.org/officeDocument/2006/relationships" xmlns:p="http://schemas.openxmlformats.org/presentationml/2006/main">
+  <p:cSld>
+    <p:spTree>
+      <p:nvGrpSpPr>
+        <p:cNvPr id="1" name=""/>
+        <p:cNvGrpSpPr/>
+        <p:nvPr/>
+      </p:nvGrpSpPr>
+      <p:grpSpPr>
+        <a:xfrm>
+          <a:off x="0" y="0"/>
+          <a:ext cx="0" cy="0"/>
+          <a:chOff x="0" y="0"/>
+          <a:chExt cx="0" cy="0"/>
+        </a:xfrm>
+      </p:grpSpPr>
+      <p:pic>
+        <p:nvPicPr>
+          <p:cNvPr id="8" name="图片 7">
+            <a:extLst>
+              <a:ext uri="{FF2B5EF4-FFF2-40B4-BE49-F238E27FC236}">
+                <a16:creationId xmlns:a16="http://schemas.microsoft.com/office/drawing/2014/main" id="{0B1A6994-2657-4591-AD2D-6E6831F14489}"/>
+              </a:ext>
+            </a:extLst>
+          </p:cNvPr>
+          <p:cNvPicPr>
+            <a:picLocks noChangeAspect="1"/>
+          </p:cNvPicPr>
+          <p:nvPr/>
+        </p:nvPicPr>
+        <p:blipFill rotWithShape="1">
+          <a:blip r:embed="rId2">
+            <a:extLst>
+              <a:ext uri="{28A0092B-C50C-407E-A947-70E740481C1C}">
+                <a14:useLocalDpi xmlns:a14="http://schemas.microsoft.com/office/drawing/2010/main" val="0"/>
+              </a:ext>
+            </a:extLst>
+          </a:blip>
+          <a:srcRect l="1445" r="1445"/>
+          <a:stretch/>
+        </p:blipFill>
+        <p:spPr>
+          <a:xfrm>
+            <a:off x="2614245" y="0"/>
+            <a:ext cx="6869724" cy="6858000"/>
+          </a:xfrm>
+          <a:prstGeom prst="rect">
+            <a:avLst/>
+          </a:prstGeom>
+        </p:spPr>
+      </p:pic>
+      <p:sp>
+        <p:nvSpPr>
+          <p:cNvPr id="6" name="矩形 5">
+            <a:extLst>
+              <a:ext uri="{FF2B5EF4-FFF2-40B4-BE49-F238E27FC236}">
+                <a16:creationId xmlns:a16="http://schemas.microsoft.com/office/drawing/2014/main" id="{ABB7C4B4-D1AB-4F31-881B-438B113D69C3}"/>
+              </a:ext>
+            </a:extLst>
+          </p:cNvPr>
+          <p:cNvSpPr/>
+          <p:nvPr/>
+        </p:nvSpPr>
+        <p:spPr>
+          <a:xfrm>
+            <a:off x="2661138" y="4777154"/>
+            <a:ext cx="6775939" cy="586154"/>
+          </a:xfrm>
+          <a:prstGeom prst="rect">
+            <a:avLst/>
+          </a:prstGeom>
+          <a:noFill/>
+          <a:ln w="28575">
+            <a:solidFill>
+              <a:srgbClr val="FF0000"/>
+            </a:solidFill>
+          </a:ln>
+        </p:spPr>
+        <p:style>
+          <a:lnRef idx="2">
+            <a:schemeClr val="accent1">
+              <a:shade val="50000"/>
+            </a:schemeClr>
+          </a:lnRef>
+          <a:fillRef idx="1">
+            <a:schemeClr val="accent1"/>
+          </a:fillRef>
+          <a:effectRef idx="0">
+            <a:schemeClr val="accent1"/>
+          </a:effectRef>
+          <a:fontRef idx="minor">
+            <a:schemeClr val="lt1"/>
+          </a:fontRef>
+        </p:style>
+        <p:txBody>
+          <a:bodyPr rtlCol="0" anchor="ctr"/>
+          <a:lstStyle/>
+          <a:p>
+            <a:pPr algn="ctr"/>
+            <a:endParaRPr lang="zh-CN" altLang="en-US"/>
+          </a:p>
+        </p:txBody>
+      </p:sp>
+    </p:spTree>
+    <p:extLst>
+      <p:ext uri="{BB962C8B-B14F-4D97-AF65-F5344CB8AC3E}">
+        <p14:creationId xmlns:p14="http://schemas.microsoft.com/office/powerpoint/2010/main" val="1721296085"/>
+      </p:ext>
+    </p:extLst>
+  </p:cSld>
+  <p:clrMapOvr>
+    <a:masterClrMapping/>
+  </p:clrMapOvr>
+</p:sld>
+</file>
+
 <file path=ppt/theme/theme1.xml><?xml version="1.0" encoding="utf-8"?>
 <a:theme xmlns:a="http://schemas.openxmlformats.org/drawingml/2006/main" name="Office 主题​​">
   <a:themeElements>

--- a/report/images/graphs.pptx
+++ b/report/images/graphs.pptx
@@ -9,7 +9,8 @@
     <p:sldId id="258" r:id="rId3"/>
     <p:sldId id="259" r:id="rId4"/>
     <p:sldId id="260" r:id="rId5"/>
-    <p:sldId id="261" r:id="rId6"/>
+    <p:sldId id="263" r:id="rId6"/>
+    <p:sldId id="261" r:id="rId7"/>
   </p:sldIdLst>
   <p:sldSz cx="12192000" cy="6858000"/>
   <p:notesSz cx="6858000" cy="9144000"/>
@@ -247,7 +248,7 @@
           <a:p>
             <a:fld id="{DB349421-3681-4F92-BBD6-89BD91EF5D3C}" type="datetimeFigureOut">
               <a:rPr lang="zh-CN" altLang="en-US" smtClean="0"/>
-              <a:t>2019/6/17 Monday</a:t>
+              <a:t>2019/6/19 Wednesday</a:t>
             </a:fld>
             <a:endParaRPr lang="zh-CN" altLang="en-US"/>
           </a:p>
@@ -417,7 +418,7 @@
           <a:p>
             <a:fld id="{DB349421-3681-4F92-BBD6-89BD91EF5D3C}" type="datetimeFigureOut">
               <a:rPr lang="zh-CN" altLang="en-US" smtClean="0"/>
-              <a:t>2019/6/17 Monday</a:t>
+              <a:t>2019/6/19 Wednesday</a:t>
             </a:fld>
             <a:endParaRPr lang="zh-CN" altLang="en-US"/>
           </a:p>
@@ -597,7 +598,7 @@
           <a:p>
             <a:fld id="{DB349421-3681-4F92-BBD6-89BD91EF5D3C}" type="datetimeFigureOut">
               <a:rPr lang="zh-CN" altLang="en-US" smtClean="0"/>
-              <a:t>2019/6/17 Monday</a:t>
+              <a:t>2019/6/19 Wednesday</a:t>
             </a:fld>
             <a:endParaRPr lang="zh-CN" altLang="en-US"/>
           </a:p>
@@ -767,7 +768,7 @@
           <a:p>
             <a:fld id="{DB349421-3681-4F92-BBD6-89BD91EF5D3C}" type="datetimeFigureOut">
               <a:rPr lang="zh-CN" altLang="en-US" smtClean="0"/>
-              <a:t>2019/6/17 Monday</a:t>
+              <a:t>2019/6/19 Wednesday</a:t>
             </a:fld>
             <a:endParaRPr lang="zh-CN" altLang="en-US"/>
           </a:p>
@@ -1013,7 +1014,7 @@
           <a:p>
             <a:fld id="{DB349421-3681-4F92-BBD6-89BD91EF5D3C}" type="datetimeFigureOut">
               <a:rPr lang="zh-CN" altLang="en-US" smtClean="0"/>
-              <a:t>2019/6/17 Monday</a:t>
+              <a:t>2019/6/19 Wednesday</a:t>
             </a:fld>
             <a:endParaRPr lang="zh-CN" altLang="en-US"/>
           </a:p>
@@ -1245,7 +1246,7 @@
           <a:p>
             <a:fld id="{DB349421-3681-4F92-BBD6-89BD91EF5D3C}" type="datetimeFigureOut">
               <a:rPr lang="zh-CN" altLang="en-US" smtClean="0"/>
-              <a:t>2019/6/17 Monday</a:t>
+              <a:t>2019/6/19 Wednesday</a:t>
             </a:fld>
             <a:endParaRPr lang="zh-CN" altLang="en-US"/>
           </a:p>
@@ -1612,7 +1613,7 @@
           <a:p>
             <a:fld id="{DB349421-3681-4F92-BBD6-89BD91EF5D3C}" type="datetimeFigureOut">
               <a:rPr lang="zh-CN" altLang="en-US" smtClean="0"/>
-              <a:t>2019/6/17 Monday</a:t>
+              <a:t>2019/6/19 Wednesday</a:t>
             </a:fld>
             <a:endParaRPr lang="zh-CN" altLang="en-US"/>
           </a:p>
@@ -1730,7 +1731,7 @@
           <a:p>
             <a:fld id="{DB349421-3681-4F92-BBD6-89BD91EF5D3C}" type="datetimeFigureOut">
               <a:rPr lang="zh-CN" altLang="en-US" smtClean="0"/>
-              <a:t>2019/6/17 Monday</a:t>
+              <a:t>2019/6/19 Wednesday</a:t>
             </a:fld>
             <a:endParaRPr lang="zh-CN" altLang="en-US"/>
           </a:p>
@@ -1825,7 +1826,7 @@
           <a:p>
             <a:fld id="{DB349421-3681-4F92-BBD6-89BD91EF5D3C}" type="datetimeFigureOut">
               <a:rPr lang="zh-CN" altLang="en-US" smtClean="0"/>
-              <a:t>2019/6/17 Monday</a:t>
+              <a:t>2019/6/19 Wednesday</a:t>
             </a:fld>
             <a:endParaRPr lang="zh-CN" altLang="en-US"/>
           </a:p>
@@ -2102,7 +2103,7 @@
           <a:p>
             <a:fld id="{DB349421-3681-4F92-BBD6-89BD91EF5D3C}" type="datetimeFigureOut">
               <a:rPr lang="zh-CN" altLang="en-US" smtClean="0"/>
-              <a:t>2019/6/17 Monday</a:t>
+              <a:t>2019/6/19 Wednesday</a:t>
             </a:fld>
             <a:endParaRPr lang="zh-CN" altLang="en-US"/>
           </a:p>
@@ -2359,7 +2360,7 @@
           <a:p>
             <a:fld id="{DB349421-3681-4F92-BBD6-89BD91EF5D3C}" type="datetimeFigureOut">
               <a:rPr lang="zh-CN" altLang="en-US" smtClean="0"/>
-              <a:t>2019/6/17 Monday</a:t>
+              <a:t>2019/6/19 Wednesday</a:t>
             </a:fld>
             <a:endParaRPr lang="zh-CN" altLang="en-US"/>
           </a:p>
@@ -2572,7 +2573,7 @@
           <a:p>
             <a:fld id="{DB349421-3681-4F92-BBD6-89BD91EF5D3C}" type="datetimeFigureOut">
               <a:rPr lang="zh-CN" altLang="en-US" smtClean="0"/>
-              <a:t>2019/6/17 Monday</a:t>
+              <a:t>2019/6/19 Wednesday</a:t>
             </a:fld>
             <a:endParaRPr lang="zh-CN" altLang="en-US"/>
           </a:p>
@@ -5077,6 +5078,124 @@
       </p:grpSpPr>
       <p:pic>
         <p:nvPicPr>
+          <p:cNvPr id="3" name="图片 2">
+            <a:extLst>
+              <a:ext uri="{FF2B5EF4-FFF2-40B4-BE49-F238E27FC236}">
+                <a16:creationId xmlns:a16="http://schemas.microsoft.com/office/drawing/2014/main" id="{A340C205-81E4-46CE-8619-61BDF5129045}"/>
+              </a:ext>
+            </a:extLst>
+          </p:cNvPr>
+          <p:cNvPicPr>
+            <a:picLocks noChangeAspect="1"/>
+          </p:cNvPicPr>
+          <p:nvPr/>
+        </p:nvPicPr>
+        <p:blipFill>
+          <a:blip r:embed="rId2">
+            <a:extLst>
+              <a:ext uri="{28A0092B-C50C-407E-A947-70E740481C1C}">
+                <a14:useLocalDpi xmlns:a14="http://schemas.microsoft.com/office/drawing/2010/main" val="0"/>
+              </a:ext>
+            </a:extLst>
+          </a:blip>
+          <a:stretch>
+            <a:fillRect/>
+          </a:stretch>
+        </p:blipFill>
+        <p:spPr>
+          <a:xfrm>
+            <a:off x="2423409" y="0"/>
+            <a:ext cx="7345181" cy="6858000"/>
+          </a:xfrm>
+          <a:prstGeom prst="rect">
+            <a:avLst/>
+          </a:prstGeom>
+        </p:spPr>
+      </p:pic>
+      <p:sp>
+        <p:nvSpPr>
+          <p:cNvPr id="7" name="矩形 6">
+            <a:extLst>
+              <a:ext uri="{FF2B5EF4-FFF2-40B4-BE49-F238E27FC236}">
+                <a16:creationId xmlns:a16="http://schemas.microsoft.com/office/drawing/2014/main" id="{DAFBA834-C950-4534-998A-FB7F6A5F28B8}"/>
+              </a:ext>
+            </a:extLst>
+          </p:cNvPr>
+          <p:cNvSpPr/>
+          <p:nvPr/>
+        </p:nvSpPr>
+        <p:spPr>
+          <a:xfrm>
+            <a:off x="2432567" y="4829654"/>
+            <a:ext cx="7310825" cy="586154"/>
+          </a:xfrm>
+          <a:prstGeom prst="rect">
+            <a:avLst/>
+          </a:prstGeom>
+          <a:noFill/>
+          <a:ln w="28575">
+            <a:solidFill>
+              <a:srgbClr val="FF0000"/>
+            </a:solidFill>
+          </a:ln>
+        </p:spPr>
+        <p:style>
+          <a:lnRef idx="2">
+            <a:schemeClr val="accent1">
+              <a:shade val="50000"/>
+            </a:schemeClr>
+          </a:lnRef>
+          <a:fillRef idx="1">
+            <a:schemeClr val="accent1"/>
+          </a:fillRef>
+          <a:effectRef idx="0">
+            <a:schemeClr val="accent1"/>
+          </a:effectRef>
+          <a:fontRef idx="minor">
+            <a:schemeClr val="lt1"/>
+          </a:fontRef>
+        </p:style>
+        <p:txBody>
+          <a:bodyPr rtlCol="0" anchor="ctr"/>
+          <a:lstStyle/>
+          <a:p>
+            <a:pPr algn="ctr"/>
+            <a:endParaRPr lang="zh-CN" altLang="en-US"/>
+          </a:p>
+        </p:txBody>
+      </p:sp>
+    </p:spTree>
+    <p:extLst>
+      <p:ext uri="{BB962C8B-B14F-4D97-AF65-F5344CB8AC3E}">
+        <p14:creationId xmlns:p14="http://schemas.microsoft.com/office/powerpoint/2010/main" val="3405583366"/>
+      </p:ext>
+    </p:extLst>
+  </p:cSld>
+  <p:clrMapOvr>
+    <a:masterClrMapping/>
+  </p:clrMapOvr>
+</p:sld>
+</file>
+
+<file path=ppt/slides/slide6.xml><?xml version="1.0" encoding="utf-8"?>
+<p:sld xmlns:a="http://schemas.openxmlformats.org/drawingml/2006/main" xmlns:r="http://schemas.openxmlformats.org/officeDocument/2006/relationships" xmlns:p="http://schemas.openxmlformats.org/presentationml/2006/main">
+  <p:cSld>
+    <p:spTree>
+      <p:nvGrpSpPr>
+        <p:cNvPr id="1" name=""/>
+        <p:cNvGrpSpPr/>
+        <p:nvPr/>
+      </p:nvGrpSpPr>
+      <p:grpSpPr>
+        <a:xfrm>
+          <a:off x="0" y="0"/>
+          <a:ext cx="0" cy="0"/>
+          <a:chOff x="0" y="0"/>
+          <a:chExt cx="0" cy="0"/>
+        </a:xfrm>
+      </p:grpSpPr>
+      <p:pic>
+        <p:nvPicPr>
           <p:cNvPr id="8" name="图片 7">
             <a:extLst>
               <a:ext uri="{FF2B5EF4-FFF2-40B4-BE49-F238E27FC236}">
